--- a/Chrono Timer v1.pptx
+++ b/Chrono Timer v1.pptx
@@ -10,17 +10,13 @@
     <p:sldId id="258" r:id="rId4"/>
     <p:sldId id="259" r:id="rId5"/>
     <p:sldId id="260" r:id="rId6"/>
-    <p:sldId id="268" r:id="rId7"/>
-    <p:sldId id="261" r:id="rId8"/>
-    <p:sldId id="269" r:id="rId9"/>
-    <p:sldId id="262" r:id="rId10"/>
-    <p:sldId id="270" r:id="rId11"/>
-    <p:sldId id="263" r:id="rId12"/>
-    <p:sldId id="271" r:id="rId13"/>
-    <p:sldId id="264" r:id="rId14"/>
-    <p:sldId id="265" r:id="rId15"/>
-    <p:sldId id="266" r:id="rId16"/>
-    <p:sldId id="267" r:id="rId17"/>
+    <p:sldId id="261" r:id="rId7"/>
+    <p:sldId id="262" r:id="rId8"/>
+    <p:sldId id="263" r:id="rId9"/>
+    <p:sldId id="264" r:id="rId10"/>
+    <p:sldId id="265" r:id="rId11"/>
+    <p:sldId id="266" r:id="rId12"/>
+    <p:sldId id="267" r:id="rId13"/>
   </p:sldIdLst>
   <p:sldSz cx="12192000" cy="6858000"/>
   <p:notesSz cx="6858000" cy="9144000"/>
@@ -119,6 +115,11 @@
       </a:defRPr>
     </a:lvl9pPr>
   </p:defaultTextStyle>
+  <p:extLst>
+    <p:ext uri="{EFAFB233-063F-42B5-8137-9DF3F51BA10A}">
+      <p15:sldGuideLst xmlns:p15="http://schemas.microsoft.com/office/powerpoint/2012/main"/>
+    </p:ext>
+  </p:extLst>
 </p:presentation>
 </file>
 
@@ -844,7 +845,7 @@
           <a:p>
             <a:fld id="{F75BF691-E959-4260-BCAA-F3F15615AE81}" type="datetimeFigureOut">
               <a:rPr lang="en-US" smtClean="0"/>
-              <a:t>4/26/2016</a:t>
+              <a:t>4/28/2016</a:t>
             </a:fld>
             <a:endParaRPr lang="en-US"/>
           </a:p>
@@ -1095,7 +1096,7 @@
           <a:p>
             <a:fld id="{F75BF691-E959-4260-BCAA-F3F15615AE81}" type="datetimeFigureOut">
               <a:rPr lang="en-US" smtClean="0"/>
-              <a:t>4/26/2016</a:t>
+              <a:t>4/28/2016</a:t>
             </a:fld>
             <a:endParaRPr lang="en-US"/>
           </a:p>
@@ -1409,7 +1410,7 @@
           <a:p>
             <a:fld id="{F75BF691-E959-4260-BCAA-F3F15615AE81}" type="datetimeFigureOut">
               <a:rPr lang="en-US" smtClean="0"/>
-              <a:t>4/26/2016</a:t>
+              <a:t>4/28/2016</a:t>
             </a:fld>
             <a:endParaRPr lang="en-US"/>
           </a:p>
@@ -1750,7 +1751,7 @@
           <a:p>
             <a:fld id="{F75BF691-E959-4260-BCAA-F3F15615AE81}" type="datetimeFigureOut">
               <a:rPr lang="en-US" smtClean="0"/>
-              <a:t>4/26/2016</a:t>
+              <a:t>4/28/2016</a:t>
             </a:fld>
             <a:endParaRPr lang="en-US"/>
           </a:p>
@@ -2064,7 +2065,7 @@
           <a:p>
             <a:fld id="{F75BF691-E959-4260-BCAA-F3F15615AE81}" type="datetimeFigureOut">
               <a:rPr lang="en-US" smtClean="0"/>
-              <a:t>4/26/2016</a:t>
+              <a:t>4/28/2016</a:t>
             </a:fld>
             <a:endParaRPr lang="en-US"/>
           </a:p>
@@ -2457,7 +2458,7 @@
           <a:p>
             <a:fld id="{F75BF691-E959-4260-BCAA-F3F15615AE81}" type="datetimeFigureOut">
               <a:rPr lang="en-US" smtClean="0"/>
-              <a:t>4/26/2016</a:t>
+              <a:t>4/28/2016</a:t>
             </a:fld>
             <a:endParaRPr lang="en-US"/>
           </a:p>
@@ -2627,7 +2628,7 @@
           <a:p>
             <a:fld id="{F75BF691-E959-4260-BCAA-F3F15615AE81}" type="datetimeFigureOut">
               <a:rPr lang="en-US" smtClean="0"/>
-              <a:t>4/26/2016</a:t>
+              <a:t>4/28/2016</a:t>
             </a:fld>
             <a:endParaRPr lang="en-US"/>
           </a:p>
@@ -2807,7 +2808,7 @@
           <a:p>
             <a:fld id="{F75BF691-E959-4260-BCAA-F3F15615AE81}" type="datetimeFigureOut">
               <a:rPr lang="en-US" smtClean="0"/>
-              <a:t>4/26/2016</a:t>
+              <a:t>4/28/2016</a:t>
             </a:fld>
             <a:endParaRPr lang="en-US"/>
           </a:p>
@@ -2983,7 +2984,7 @@
           <a:p>
             <a:fld id="{F75BF691-E959-4260-BCAA-F3F15615AE81}" type="datetimeFigureOut">
               <a:rPr lang="en-US" smtClean="0"/>
-              <a:t>4/26/2016</a:t>
+              <a:t>4/28/2016</a:t>
             </a:fld>
             <a:endParaRPr lang="en-US"/>
           </a:p>
@@ -3230,7 +3231,7 @@
           <a:p>
             <a:fld id="{F75BF691-E959-4260-BCAA-F3F15615AE81}" type="datetimeFigureOut">
               <a:rPr lang="en-US" smtClean="0"/>
-              <a:t>4/26/2016</a:t>
+              <a:t>4/28/2016</a:t>
             </a:fld>
             <a:endParaRPr lang="en-US"/>
           </a:p>
@@ -3462,7 +3463,7 @@
           <a:p>
             <a:fld id="{F75BF691-E959-4260-BCAA-F3F15615AE81}" type="datetimeFigureOut">
               <a:rPr lang="en-US" smtClean="0"/>
-              <a:t>4/26/2016</a:t>
+              <a:t>4/28/2016</a:t>
             </a:fld>
             <a:endParaRPr lang="en-US"/>
           </a:p>
@@ -3836,7 +3837,7 @@
           <a:p>
             <a:fld id="{F75BF691-E959-4260-BCAA-F3F15615AE81}" type="datetimeFigureOut">
               <a:rPr lang="en-US" smtClean="0"/>
-              <a:t>4/26/2016</a:t>
+              <a:t>4/28/2016</a:t>
             </a:fld>
             <a:endParaRPr lang="en-US"/>
           </a:p>
@@ -3959,7 +3960,7 @@
           <a:p>
             <a:fld id="{F75BF691-E959-4260-BCAA-F3F15615AE81}" type="datetimeFigureOut">
               <a:rPr lang="en-US" smtClean="0"/>
-              <a:t>4/26/2016</a:t>
+              <a:t>4/28/2016</a:t>
             </a:fld>
             <a:endParaRPr lang="en-US"/>
           </a:p>
@@ -4054,7 +4055,7 @@
           <a:p>
             <a:fld id="{F75BF691-E959-4260-BCAA-F3F15615AE81}" type="datetimeFigureOut">
               <a:rPr lang="en-US" smtClean="0"/>
-              <a:t>4/26/2016</a:t>
+              <a:t>4/28/2016</a:t>
             </a:fld>
             <a:endParaRPr lang="en-US"/>
           </a:p>
@@ -4309,7 +4310,7 @@
           <a:p>
             <a:fld id="{F75BF691-E959-4260-BCAA-F3F15615AE81}" type="datetimeFigureOut">
               <a:rPr lang="en-US" smtClean="0"/>
-              <a:t>4/26/2016</a:t>
+              <a:t>4/28/2016</a:t>
             </a:fld>
             <a:endParaRPr lang="en-US"/>
           </a:p>
@@ -4572,7 +4573,7 @@
           <a:p>
             <a:fld id="{F75BF691-E959-4260-BCAA-F3F15615AE81}" type="datetimeFigureOut">
               <a:rPr lang="en-US" smtClean="0"/>
-              <a:t>4/26/2016</a:t>
+              <a:t>4/28/2016</a:t>
             </a:fld>
             <a:endParaRPr lang="en-US"/>
           </a:p>
@@ -5315,7 +5316,7 @@
           <a:p>
             <a:fld id="{F75BF691-E959-4260-BCAA-F3F15615AE81}" type="datetimeFigureOut">
               <a:rPr lang="en-US" smtClean="0"/>
-              <a:t>4/26/2016</a:t>
+              <a:t>4/28/2016</a:t>
             </a:fld>
             <a:endParaRPr lang="en-US"/>
           </a:p>
@@ -5936,7 +5937,7 @@
           <a:p>
             <a:r>
               <a:rPr lang="en-US" dirty="0"/>
-              <a:t>Sprint 3 Challenges</a:t>
+              <a:t>Test Plan</a:t>
             </a:r>
           </a:p>
         </p:txBody>
@@ -5956,14 +5957,29 @@
           <a:bodyPr/>
           <a:lstStyle/>
           <a:p>
-            <a:endParaRPr lang="en-US"/>
+            <a:r>
+              <a:rPr lang="en-US" dirty="0"/>
+              <a:t>Class functionality</a:t>
+            </a:r>
+          </a:p>
+          <a:p>
+            <a:r>
+              <a:rPr lang="en-US" dirty="0"/>
+              <a:t>Each run</a:t>
+            </a:r>
+          </a:p>
+          <a:p>
+            <a:r>
+              <a:rPr lang="en-US" dirty="0"/>
+              <a:t>Unique cases</a:t>
+            </a:r>
           </a:p>
         </p:txBody>
       </p:sp>
     </p:spTree>
     <p:extLst>
       <p:ext uri="{BB962C8B-B14F-4D97-AF65-F5344CB8AC3E}">
-        <p14:creationId xmlns:p14="http://schemas.microsoft.com/office/powerpoint/2010/main" val="3489285669"/>
+        <p14:creationId xmlns:p14="http://schemas.microsoft.com/office/powerpoint/2010/main" val="3709939651"/>
       </p:ext>
     </p:extLst>
   </p:cSld>
@@ -6007,290 +6023,6 @@
           <a:p>
             <a:r>
               <a:rPr lang="en-US" dirty="0"/>
-              <a:t>Adding Features: Sprint 4</a:t>
-            </a:r>
-          </a:p>
-        </p:txBody>
-      </p:sp>
-      <p:sp>
-        <p:nvSpPr>
-          <p:cNvPr id="3" name="Content Placeholder 2"/>
-          <p:cNvSpPr>
-            <a:spLocks noGrp="1"/>
-          </p:cNvSpPr>
-          <p:nvPr>
-            <p:ph idx="1"/>
-          </p:nvPr>
-        </p:nvSpPr>
-        <p:spPr/>
-        <p:txBody>
-          <a:bodyPr/>
-          <a:lstStyle/>
-          <a:p>
-            <a:endParaRPr lang="en-US"/>
-          </a:p>
-        </p:txBody>
-      </p:sp>
-    </p:spTree>
-    <p:extLst>
-      <p:ext uri="{BB962C8B-B14F-4D97-AF65-F5344CB8AC3E}">
-        <p14:creationId xmlns:p14="http://schemas.microsoft.com/office/powerpoint/2010/main" val="4099728512"/>
-      </p:ext>
-    </p:extLst>
-  </p:cSld>
-  <p:clrMapOvr>
-    <a:masterClrMapping/>
-  </p:clrMapOvr>
-</p:sld>
-</file>
-
-<file path=ppt/slides/slide12.xml><?xml version="1.0" encoding="utf-8"?>
-<p:sld xmlns:a="http://schemas.openxmlformats.org/drawingml/2006/main" xmlns:r="http://schemas.openxmlformats.org/officeDocument/2006/relationships" xmlns:p="http://schemas.openxmlformats.org/presentationml/2006/main">
-  <p:cSld>
-    <p:spTree>
-      <p:nvGrpSpPr>
-        <p:cNvPr id="1" name=""/>
-        <p:cNvGrpSpPr/>
-        <p:nvPr/>
-      </p:nvGrpSpPr>
-      <p:grpSpPr>
-        <a:xfrm>
-          <a:off x="0" y="0"/>
-          <a:ext cx="0" cy="0"/>
-          <a:chOff x="0" y="0"/>
-          <a:chExt cx="0" cy="0"/>
-        </a:xfrm>
-      </p:grpSpPr>
-      <p:sp>
-        <p:nvSpPr>
-          <p:cNvPr id="2" name="Title 1"/>
-          <p:cNvSpPr>
-            <a:spLocks noGrp="1"/>
-          </p:cNvSpPr>
-          <p:nvPr>
-            <p:ph type="title"/>
-          </p:nvPr>
-        </p:nvSpPr>
-        <p:spPr/>
-        <p:txBody>
-          <a:bodyPr/>
-          <a:lstStyle/>
-          <a:p>
-            <a:r>
-              <a:rPr lang="en-US" dirty="0"/>
-              <a:t>Sprint 4 Challenges</a:t>
-            </a:r>
-          </a:p>
-        </p:txBody>
-      </p:sp>
-      <p:sp>
-        <p:nvSpPr>
-          <p:cNvPr id="3" name="Content Placeholder 2"/>
-          <p:cNvSpPr>
-            <a:spLocks noGrp="1"/>
-          </p:cNvSpPr>
-          <p:nvPr>
-            <p:ph idx="1"/>
-          </p:nvPr>
-        </p:nvSpPr>
-        <p:spPr/>
-        <p:txBody>
-          <a:bodyPr/>
-          <a:lstStyle/>
-          <a:p>
-            <a:endParaRPr lang="en-US"/>
-          </a:p>
-        </p:txBody>
-      </p:sp>
-    </p:spTree>
-    <p:extLst>
-      <p:ext uri="{BB962C8B-B14F-4D97-AF65-F5344CB8AC3E}">
-        <p14:creationId xmlns:p14="http://schemas.microsoft.com/office/powerpoint/2010/main" val="1430120380"/>
-      </p:ext>
-    </p:extLst>
-  </p:cSld>
-  <p:clrMapOvr>
-    <a:masterClrMapping/>
-  </p:clrMapOvr>
-</p:sld>
-</file>
-
-<file path=ppt/slides/slide13.xml><?xml version="1.0" encoding="utf-8"?>
-<p:sld xmlns:a="http://schemas.openxmlformats.org/drawingml/2006/main" xmlns:r="http://schemas.openxmlformats.org/officeDocument/2006/relationships" xmlns:p="http://schemas.openxmlformats.org/presentationml/2006/main">
-  <p:cSld>
-    <p:spTree>
-      <p:nvGrpSpPr>
-        <p:cNvPr id="1" name=""/>
-        <p:cNvGrpSpPr/>
-        <p:nvPr/>
-      </p:nvGrpSpPr>
-      <p:grpSpPr>
-        <a:xfrm>
-          <a:off x="0" y="0"/>
-          <a:ext cx="0" cy="0"/>
-          <a:chOff x="0" y="0"/>
-          <a:chExt cx="0" cy="0"/>
-        </a:xfrm>
-      </p:grpSpPr>
-      <p:sp>
-        <p:nvSpPr>
-          <p:cNvPr id="2" name="Title 1"/>
-          <p:cNvSpPr>
-            <a:spLocks noGrp="1"/>
-          </p:cNvSpPr>
-          <p:nvPr>
-            <p:ph type="title"/>
-          </p:nvPr>
-        </p:nvSpPr>
-        <p:spPr/>
-        <p:txBody>
-          <a:bodyPr/>
-          <a:lstStyle/>
-          <a:p>
-            <a:r>
-              <a:rPr lang="en-US" dirty="0"/>
-              <a:t>Final Design</a:t>
-            </a:r>
-          </a:p>
-        </p:txBody>
-      </p:sp>
-      <p:sp>
-        <p:nvSpPr>
-          <p:cNvPr id="3" name="Content Placeholder 2"/>
-          <p:cNvSpPr>
-            <a:spLocks noGrp="1"/>
-          </p:cNvSpPr>
-          <p:nvPr>
-            <p:ph idx="1"/>
-          </p:nvPr>
-        </p:nvSpPr>
-        <p:spPr/>
-        <p:txBody>
-          <a:bodyPr/>
-          <a:lstStyle/>
-          <a:p>
-            <a:endParaRPr lang="en-US"/>
-          </a:p>
-        </p:txBody>
-      </p:sp>
-    </p:spTree>
-    <p:extLst>
-      <p:ext uri="{BB962C8B-B14F-4D97-AF65-F5344CB8AC3E}">
-        <p14:creationId xmlns:p14="http://schemas.microsoft.com/office/powerpoint/2010/main" val="2196014616"/>
-      </p:ext>
-    </p:extLst>
-  </p:cSld>
-  <p:clrMapOvr>
-    <a:masterClrMapping/>
-  </p:clrMapOvr>
-</p:sld>
-</file>
-
-<file path=ppt/slides/slide14.xml><?xml version="1.0" encoding="utf-8"?>
-<p:sld xmlns:a="http://schemas.openxmlformats.org/drawingml/2006/main" xmlns:r="http://schemas.openxmlformats.org/officeDocument/2006/relationships" xmlns:p="http://schemas.openxmlformats.org/presentationml/2006/main">
-  <p:cSld>
-    <p:spTree>
-      <p:nvGrpSpPr>
-        <p:cNvPr id="1" name=""/>
-        <p:cNvGrpSpPr/>
-        <p:nvPr/>
-      </p:nvGrpSpPr>
-      <p:grpSpPr>
-        <a:xfrm>
-          <a:off x="0" y="0"/>
-          <a:ext cx="0" cy="0"/>
-          <a:chOff x="0" y="0"/>
-          <a:chExt cx="0" cy="0"/>
-        </a:xfrm>
-      </p:grpSpPr>
-      <p:sp>
-        <p:nvSpPr>
-          <p:cNvPr id="2" name="Title 1"/>
-          <p:cNvSpPr>
-            <a:spLocks noGrp="1"/>
-          </p:cNvSpPr>
-          <p:nvPr>
-            <p:ph type="title"/>
-          </p:nvPr>
-        </p:nvSpPr>
-        <p:spPr/>
-        <p:txBody>
-          <a:bodyPr/>
-          <a:lstStyle/>
-          <a:p>
-            <a:r>
-              <a:rPr lang="en-US" dirty="0"/>
-              <a:t>Test Plan</a:t>
-            </a:r>
-          </a:p>
-        </p:txBody>
-      </p:sp>
-      <p:sp>
-        <p:nvSpPr>
-          <p:cNvPr id="3" name="Content Placeholder 2"/>
-          <p:cNvSpPr>
-            <a:spLocks noGrp="1"/>
-          </p:cNvSpPr>
-          <p:nvPr>
-            <p:ph idx="1"/>
-          </p:nvPr>
-        </p:nvSpPr>
-        <p:spPr/>
-        <p:txBody>
-          <a:bodyPr/>
-          <a:lstStyle/>
-          <a:p>
-            <a:endParaRPr lang="en-US"/>
-          </a:p>
-        </p:txBody>
-      </p:sp>
-    </p:spTree>
-    <p:extLst>
-      <p:ext uri="{BB962C8B-B14F-4D97-AF65-F5344CB8AC3E}">
-        <p14:creationId xmlns:p14="http://schemas.microsoft.com/office/powerpoint/2010/main" val="3709939651"/>
-      </p:ext>
-    </p:extLst>
-  </p:cSld>
-  <p:clrMapOvr>
-    <a:masterClrMapping/>
-  </p:clrMapOvr>
-</p:sld>
-</file>
-
-<file path=ppt/slides/slide15.xml><?xml version="1.0" encoding="utf-8"?>
-<p:sld xmlns:a="http://schemas.openxmlformats.org/drawingml/2006/main" xmlns:r="http://schemas.openxmlformats.org/officeDocument/2006/relationships" xmlns:p="http://schemas.openxmlformats.org/presentationml/2006/main">
-  <p:cSld>
-    <p:spTree>
-      <p:nvGrpSpPr>
-        <p:cNvPr id="1" name=""/>
-        <p:cNvGrpSpPr/>
-        <p:nvPr/>
-      </p:nvGrpSpPr>
-      <p:grpSpPr>
-        <a:xfrm>
-          <a:off x="0" y="0"/>
-          <a:ext cx="0" cy="0"/>
-          <a:chOff x="0" y="0"/>
-          <a:chExt cx="0" cy="0"/>
-        </a:xfrm>
-      </p:grpSpPr>
-      <p:sp>
-        <p:nvSpPr>
-          <p:cNvPr id="2" name="Title 1"/>
-          <p:cNvSpPr>
-            <a:spLocks noGrp="1"/>
-          </p:cNvSpPr>
-          <p:nvPr>
-            <p:ph type="title"/>
-          </p:nvPr>
-        </p:nvSpPr>
-        <p:spPr/>
-        <p:txBody>
-          <a:bodyPr/>
-          <a:lstStyle/>
-          <a:p>
-            <a:r>
-              <a:rPr lang="en-US" dirty="0"/>
               <a:t>Demo</a:t>
             </a:r>
           </a:p>
@@ -6328,7 +6060,7 @@
 </p:sld>
 </file>
 
-<file path=ppt/slides/slide16.xml><?xml version="1.0" encoding="utf-8"?>
+<file path=ppt/slides/slide12.xml><?xml version="1.0" encoding="utf-8"?>
 <p:sld xmlns:a="http://schemas.openxmlformats.org/drawingml/2006/main" xmlns:r="http://schemas.openxmlformats.org/officeDocument/2006/relationships" xmlns:p="http://schemas.openxmlformats.org/presentationml/2006/main">
   <p:cSld>
     <p:spTree>
@@ -6729,7 +6461,36 @@
           <a:bodyPr/>
           <a:lstStyle/>
           <a:p>
-            <a:endParaRPr lang="en-US"/>
+            <a:r>
+              <a:rPr lang="en-US" dirty="0"/>
+              <a:t>Requirements: Basic functionality and IND race</a:t>
+            </a:r>
+          </a:p>
+          <a:p>
+            <a:endParaRPr lang="en-US" dirty="0"/>
+          </a:p>
+          <a:p>
+            <a:r>
+              <a:rPr lang="en-US" dirty="0"/>
+              <a:t>Scaled to large to fast</a:t>
+            </a:r>
+          </a:p>
+          <a:p>
+            <a:pPr lvl="1"/>
+            <a:r>
+              <a:rPr lang="en-US" dirty="0"/>
+              <a:t>Confusion on purposes and interaction of different classes</a:t>
+            </a:r>
+          </a:p>
+          <a:p>
+            <a:pPr lvl="1"/>
+            <a:r>
+              <a:rPr lang="en-US" dirty="0"/>
+              <a:t>Debate on which class had final ownership of others</a:t>
+            </a:r>
+          </a:p>
+          <a:p>
+            <a:endParaRPr lang="en-US" dirty="0"/>
           </a:p>
         </p:txBody>
       </p:sp>
@@ -6780,7 +6541,7 @@
           <a:p>
             <a:r>
               <a:rPr lang="en-US" dirty="0"/>
-              <a:t>Sprint 1 Challenges</a:t>
+              <a:t>Rethinking Design: Sprint 2</a:t>
             </a:r>
           </a:p>
         </p:txBody>
@@ -6800,14 +6561,32 @@
           <a:bodyPr/>
           <a:lstStyle/>
           <a:p>
-            <a:endParaRPr lang="en-US"/>
+            <a:r>
+              <a:rPr lang="en-US" dirty="0"/>
+              <a:t>Requirements: PARIND</a:t>
+            </a:r>
+          </a:p>
+          <a:p>
+            <a:endParaRPr lang="en-US" dirty="0"/>
+          </a:p>
+          <a:p>
+            <a:r>
+              <a:rPr lang="en-US" dirty="0"/>
+              <a:t>Clear domain model to reference</a:t>
+            </a:r>
+          </a:p>
+          <a:p>
+            <a:r>
+              <a:rPr lang="en-US" dirty="0"/>
+              <a:t>Driver Class</a:t>
+            </a:r>
           </a:p>
         </p:txBody>
       </p:sp>
     </p:spTree>
     <p:extLst>
       <p:ext uri="{BB962C8B-B14F-4D97-AF65-F5344CB8AC3E}">
-        <p14:creationId xmlns:p14="http://schemas.microsoft.com/office/powerpoint/2010/main" val="3035157796"/>
+        <p14:creationId xmlns:p14="http://schemas.microsoft.com/office/powerpoint/2010/main" val="2578328150"/>
       </p:ext>
     </p:extLst>
   </p:cSld>
@@ -6851,7 +6630,7 @@
           <a:p>
             <a:r>
               <a:rPr lang="en-US" dirty="0"/>
-              <a:t>Rethinking Design: Sprint 2</a:t>
+              <a:t>Working Plan: Sprint 3</a:t>
             </a:r>
           </a:p>
         </p:txBody>
@@ -6871,14 +6650,29 @@
           <a:bodyPr/>
           <a:lstStyle/>
           <a:p>
-            <a:endParaRPr lang="en-US"/>
+            <a:r>
+              <a:rPr lang="en-US" dirty="0"/>
+              <a:t>Requirements:</a:t>
+            </a:r>
+          </a:p>
+          <a:p>
+            <a:endParaRPr lang="en-US" dirty="0"/>
+          </a:p>
+          <a:p>
+            <a:r>
+              <a:rPr lang="en-US" dirty="0"/>
+              <a:t>Functionality menu in GUI</a:t>
+            </a:r>
+          </a:p>
+          <a:p>
+            <a:endParaRPr lang="en-US" dirty="0"/>
           </a:p>
         </p:txBody>
       </p:sp>
     </p:spTree>
     <p:extLst>
       <p:ext uri="{BB962C8B-B14F-4D97-AF65-F5344CB8AC3E}">
-        <p14:creationId xmlns:p14="http://schemas.microsoft.com/office/powerpoint/2010/main" val="2578328150"/>
+        <p14:creationId xmlns:p14="http://schemas.microsoft.com/office/powerpoint/2010/main" val="998151021"/>
       </p:ext>
     </p:extLst>
   </p:cSld>
@@ -6922,7 +6716,7 @@
           <a:p>
             <a:r>
               <a:rPr lang="en-US" dirty="0"/>
-              <a:t>Sprint 2 Challenges</a:t>
+              <a:t>Adding Features: Sprint 4</a:t>
             </a:r>
           </a:p>
         </p:txBody>
@@ -6942,14 +6736,49 @@
           <a:bodyPr/>
           <a:lstStyle/>
           <a:p>
-            <a:endParaRPr lang="en-US"/>
+            <a:r>
+              <a:rPr lang="en-US" dirty="0"/>
+              <a:t>Requirements: </a:t>
+            </a:r>
+          </a:p>
+          <a:p>
+            <a:endParaRPr lang="en-US" dirty="0"/>
+          </a:p>
+          <a:p>
+            <a:r>
+              <a:rPr lang="en-US" dirty="0"/>
+              <a:t>Timeframe</a:t>
+            </a:r>
+          </a:p>
+          <a:p>
+            <a:r>
+              <a:rPr lang="en-US" dirty="0"/>
+              <a:t>Bug states</a:t>
+            </a:r>
+          </a:p>
+          <a:p>
+            <a:pPr lvl="1"/>
+            <a:r>
+              <a:rPr lang="en-US" dirty="0"/>
+              <a:t>…</a:t>
+            </a:r>
+          </a:p>
+          <a:p>
+            <a:pPr lvl="1"/>
+            <a:r>
+              <a:rPr lang="en-US" dirty="0"/>
+              <a:t>…</a:t>
+            </a:r>
+          </a:p>
+          <a:p>
+            <a:endParaRPr lang="en-US" dirty="0"/>
           </a:p>
         </p:txBody>
       </p:sp>
     </p:spTree>
     <p:extLst>
       <p:ext uri="{BB962C8B-B14F-4D97-AF65-F5344CB8AC3E}">
-        <p14:creationId xmlns:p14="http://schemas.microsoft.com/office/powerpoint/2010/main" val="3643314564"/>
+        <p14:creationId xmlns:p14="http://schemas.microsoft.com/office/powerpoint/2010/main" val="4099728512"/>
       </p:ext>
     </p:extLst>
   </p:cSld>
@@ -6993,7 +6822,7 @@
           <a:p>
             <a:r>
               <a:rPr lang="en-US" dirty="0"/>
-              <a:t>Working Plan: Sprint 3</a:t>
+              <a:t>Final Design</a:t>
             </a:r>
           </a:p>
         </p:txBody>
@@ -7013,14 +6842,14 @@
           <a:bodyPr/>
           <a:lstStyle/>
           <a:p>
-            <a:endParaRPr lang="en-US"/>
+            <a:endParaRPr lang="en-US" dirty="0"/>
           </a:p>
         </p:txBody>
       </p:sp>
     </p:spTree>
     <p:extLst>
       <p:ext uri="{BB962C8B-B14F-4D97-AF65-F5344CB8AC3E}">
-        <p14:creationId xmlns:p14="http://schemas.microsoft.com/office/powerpoint/2010/main" val="998151021"/>
+        <p14:creationId xmlns:p14="http://schemas.microsoft.com/office/powerpoint/2010/main" val="2196014616"/>
       </p:ext>
     </p:extLst>
   </p:cSld>

--- a/Chrono Timer v1.pptx
+++ b/Chrono Timer v1.pptx
@@ -13,10 +13,9 @@
     <p:sldId id="261" r:id="rId7"/>
     <p:sldId id="262" r:id="rId8"/>
     <p:sldId id="263" r:id="rId9"/>
-    <p:sldId id="264" r:id="rId10"/>
-    <p:sldId id="265" r:id="rId11"/>
-    <p:sldId id="266" r:id="rId12"/>
-    <p:sldId id="267" r:id="rId13"/>
+    <p:sldId id="265" r:id="rId10"/>
+    <p:sldId id="266" r:id="rId11"/>
+    <p:sldId id="267" r:id="rId12"/>
   </p:sldIdLst>
   <p:sldSz cx="12192000" cy="6858000"/>
   <p:notesSz cx="6858000" cy="9144000"/>
@@ -5937,92 +5936,6 @@
           <a:p>
             <a:r>
               <a:rPr lang="en-US" dirty="0"/>
-              <a:t>Test Plan</a:t>
-            </a:r>
-          </a:p>
-        </p:txBody>
-      </p:sp>
-      <p:sp>
-        <p:nvSpPr>
-          <p:cNvPr id="3" name="Content Placeholder 2"/>
-          <p:cNvSpPr>
-            <a:spLocks noGrp="1"/>
-          </p:cNvSpPr>
-          <p:nvPr>
-            <p:ph idx="1"/>
-          </p:nvPr>
-        </p:nvSpPr>
-        <p:spPr/>
-        <p:txBody>
-          <a:bodyPr/>
-          <a:lstStyle/>
-          <a:p>
-            <a:r>
-              <a:rPr lang="en-US" dirty="0"/>
-              <a:t>Class functionality</a:t>
-            </a:r>
-          </a:p>
-          <a:p>
-            <a:r>
-              <a:rPr lang="en-US" dirty="0"/>
-              <a:t>Each run</a:t>
-            </a:r>
-          </a:p>
-          <a:p>
-            <a:r>
-              <a:rPr lang="en-US" dirty="0"/>
-              <a:t>Unique cases</a:t>
-            </a:r>
-          </a:p>
-        </p:txBody>
-      </p:sp>
-    </p:spTree>
-    <p:extLst>
-      <p:ext uri="{BB962C8B-B14F-4D97-AF65-F5344CB8AC3E}">
-        <p14:creationId xmlns:p14="http://schemas.microsoft.com/office/powerpoint/2010/main" val="3709939651"/>
-      </p:ext>
-    </p:extLst>
-  </p:cSld>
-  <p:clrMapOvr>
-    <a:masterClrMapping/>
-  </p:clrMapOvr>
-</p:sld>
-</file>
-
-<file path=ppt/slides/slide11.xml><?xml version="1.0" encoding="utf-8"?>
-<p:sld xmlns:a="http://schemas.openxmlformats.org/drawingml/2006/main" xmlns:r="http://schemas.openxmlformats.org/officeDocument/2006/relationships" xmlns:p="http://schemas.openxmlformats.org/presentationml/2006/main">
-  <p:cSld>
-    <p:spTree>
-      <p:nvGrpSpPr>
-        <p:cNvPr id="1" name=""/>
-        <p:cNvGrpSpPr/>
-        <p:nvPr/>
-      </p:nvGrpSpPr>
-      <p:grpSpPr>
-        <a:xfrm>
-          <a:off x="0" y="0"/>
-          <a:ext cx="0" cy="0"/>
-          <a:chOff x="0" y="0"/>
-          <a:chExt cx="0" cy="0"/>
-        </a:xfrm>
-      </p:grpSpPr>
-      <p:sp>
-        <p:nvSpPr>
-          <p:cNvPr id="2" name="Title 1"/>
-          <p:cNvSpPr>
-            <a:spLocks noGrp="1"/>
-          </p:cNvSpPr>
-          <p:nvPr>
-            <p:ph type="title"/>
-          </p:nvPr>
-        </p:nvSpPr>
-        <p:spPr/>
-        <p:txBody>
-          <a:bodyPr/>
-          <a:lstStyle/>
-          <a:p>
-            <a:r>
-              <a:rPr lang="en-US" dirty="0"/>
               <a:t>Demo</a:t>
             </a:r>
           </a:p>
@@ -6060,7 +5973,7 @@
 </p:sld>
 </file>
 
-<file path=ppt/slides/slide12.xml><?xml version="1.0" encoding="utf-8"?>
+<file path=ppt/slides/slide11.xml><?xml version="1.0" encoding="utf-8"?>
 <p:sld xmlns:a="http://schemas.openxmlformats.org/drawingml/2006/main" xmlns:r="http://schemas.openxmlformats.org/officeDocument/2006/relationships" xmlns:p="http://schemas.openxmlformats.org/presentationml/2006/main">
   <p:cSld>
     <p:spTree>
@@ -6353,6 +6266,34 @@
           <a:chExt cx="0" cy="0"/>
         </a:xfrm>
       </p:grpSpPr>
+      <p:pic>
+        <p:nvPicPr>
+          <p:cNvPr id="4" name="Content Placeholder 3"/>
+          <p:cNvPicPr>
+            <a:picLocks noGrp="1" noChangeAspect="1"/>
+          </p:cNvPicPr>
+          <p:nvPr>
+            <p:ph idx="1"/>
+          </p:nvPr>
+        </p:nvPicPr>
+        <p:blipFill rotWithShape="1">
+          <a:blip r:embed="rId2">
+            <a:extLst>
+              <a:ext uri="{28A0092B-C50C-407E-A947-70E740481C1C}">
+                <a14:useLocalDpi xmlns:a14="http://schemas.microsoft.com/office/drawing/2010/main" val="0"/>
+              </a:ext>
+            </a:extLst>
+          </a:blip>
+          <a:srcRect l="25010"/>
+          <a:stretch/>
+        </p:blipFill>
+        <p:spPr>
+          <a:xfrm>
+            <a:off x="1241720" y="328246"/>
+            <a:ext cx="8400639" cy="6248400"/>
+          </a:xfrm>
+        </p:spPr>
+      </p:pic>
       <p:sp>
         <p:nvSpPr>
           <p:cNvPr id="2" name="Title 1"/>
@@ -6372,25 +6313,6 @@
               <a:rPr lang="en-US" dirty="0"/>
               <a:t>Domain Model</a:t>
             </a:r>
-          </a:p>
-        </p:txBody>
-      </p:sp>
-      <p:sp>
-        <p:nvSpPr>
-          <p:cNvPr id="3" name="Content Placeholder 2"/>
-          <p:cNvSpPr>
-            <a:spLocks noGrp="1"/>
-          </p:cNvSpPr>
-          <p:nvPr>
-            <p:ph idx="1"/>
-          </p:nvPr>
-        </p:nvSpPr>
-        <p:spPr/>
-        <p:txBody>
-          <a:bodyPr/>
-          <a:lstStyle/>
-          <a:p>
-            <a:endParaRPr lang="en-US"/>
           </a:p>
         </p:txBody>
       </p:sp>
@@ -6434,7 +6356,12 @@
             <p:ph type="title"/>
           </p:nvPr>
         </p:nvSpPr>
-        <p:spPr/>
+        <p:spPr>
+          <a:xfrm>
+            <a:off x="677334" y="609600"/>
+            <a:ext cx="8596668" cy="805962"/>
+          </a:xfrm>
+        </p:spPr>
         <p:txBody>
           <a:bodyPr/>
           <a:lstStyle/>
@@ -6456,37 +6383,58 @@
             <p:ph idx="1"/>
           </p:nvPr>
         </p:nvSpPr>
-        <p:spPr/>
-        <p:txBody>
-          <a:bodyPr/>
-          <a:lstStyle/>
-          <a:p>
-            <a:r>
-              <a:rPr lang="en-US" dirty="0"/>
-              <a:t>Requirements: Basic functionality and IND race</a:t>
-            </a:r>
-          </a:p>
-          <a:p>
-            <a:endParaRPr lang="en-US" dirty="0"/>
-          </a:p>
-          <a:p>
-            <a:r>
-              <a:rPr lang="en-US" dirty="0"/>
-              <a:t>Scaled to large to fast</a:t>
+        <p:spPr>
+          <a:xfrm>
+            <a:off x="677334" y="1940782"/>
+            <a:ext cx="8596668" cy="3880773"/>
+          </a:xfrm>
+        </p:spPr>
+        <p:txBody>
+          <a:bodyPr/>
+          <a:lstStyle/>
+          <a:p>
+            <a:r>
+              <a:rPr lang="en-US" sz="2000" dirty="0"/>
+              <a:t>Requirements: Basic functionality, IND race, IND special cases</a:t>
+            </a:r>
+          </a:p>
+          <a:p>
+            <a:endParaRPr lang="en-US" sz="2000" dirty="0"/>
+          </a:p>
+          <a:p>
+            <a:r>
+              <a:rPr lang="en-US" sz="2000" dirty="0"/>
+              <a:t>Approach: Build skeleton of entire project</a:t>
+            </a:r>
+          </a:p>
+          <a:p>
+            <a:endParaRPr lang="en-US" sz="2000" dirty="0"/>
+          </a:p>
+          <a:p>
+            <a:r>
+              <a:rPr lang="en-US" sz="2000" dirty="0"/>
+              <a:t>Challenges:</a:t>
             </a:r>
           </a:p>
           <a:p>
             <a:pPr lvl="1"/>
             <a:r>
-              <a:rPr lang="en-US" dirty="0"/>
+              <a:rPr lang="en-US" sz="1800" dirty="0"/>
+              <a:t>Scaled too large too fast</a:t>
+            </a:r>
+          </a:p>
+          <a:p>
+            <a:pPr lvl="1"/>
+            <a:r>
+              <a:rPr lang="en-US" sz="1800" dirty="0"/>
               <a:t>Confusion on purposes and interaction of different classes</a:t>
             </a:r>
           </a:p>
           <a:p>
             <a:pPr lvl="1"/>
             <a:r>
-              <a:rPr lang="en-US" dirty="0"/>
-              <a:t>Debate on which class had final ownership of others</a:t>
+              <a:rPr lang="en-US" sz="1800" dirty="0"/>
+              <a:t>Debate on which class had control/access/ownership of others</a:t>
             </a:r>
           </a:p>
           <a:p>
@@ -6534,7 +6482,12 @@
             <p:ph type="title"/>
           </p:nvPr>
         </p:nvSpPr>
-        <p:spPr/>
+        <p:spPr>
+          <a:xfrm>
+            <a:off x="677334" y="609600"/>
+            <a:ext cx="8596668" cy="832338"/>
+          </a:xfrm>
+        </p:spPr>
         <p:txBody>
           <a:bodyPr/>
           <a:lstStyle/>
@@ -6556,28 +6509,50 @@
             <p:ph idx="1"/>
           </p:nvPr>
         </p:nvSpPr>
-        <p:spPr/>
-        <p:txBody>
-          <a:bodyPr/>
-          <a:lstStyle/>
-          <a:p>
-            <a:r>
-              <a:rPr lang="en-US" dirty="0"/>
-              <a:t>Requirements: PARIND</a:t>
-            </a:r>
-          </a:p>
-          <a:p>
-            <a:endParaRPr lang="en-US" dirty="0"/>
-          </a:p>
-          <a:p>
-            <a:r>
-              <a:rPr lang="en-US" dirty="0"/>
+        <p:spPr>
+          <a:xfrm>
+            <a:off x="677334" y="1861651"/>
+            <a:ext cx="8596668" cy="3880773"/>
+          </a:xfrm>
+        </p:spPr>
+        <p:txBody>
+          <a:bodyPr/>
+          <a:lstStyle/>
+          <a:p>
+            <a:r>
+              <a:rPr lang="en-US" sz="2000" dirty="0"/>
+              <a:t>Requirements: PARIND, USB</a:t>
+            </a:r>
+          </a:p>
+          <a:p>
+            <a:endParaRPr lang="en-US" sz="2000" dirty="0"/>
+          </a:p>
+          <a:p>
+            <a:r>
+              <a:rPr lang="en-US" sz="2000" dirty="0"/>
+              <a:t>Approach: Focused in fixes and only Sprint 2 updates</a:t>
+            </a:r>
+          </a:p>
+          <a:p>
+            <a:endParaRPr lang="en-US" sz="2000" dirty="0"/>
+          </a:p>
+          <a:p>
+            <a:r>
+              <a:rPr lang="en-US" sz="2000" dirty="0"/>
+              <a:t>Challenges:</a:t>
+            </a:r>
+          </a:p>
+          <a:p>
+            <a:pPr lvl="1"/>
+            <a:r>
+              <a:rPr lang="en-US" sz="1800" dirty="0"/>
               <a:t>Clear domain model to reference</a:t>
             </a:r>
           </a:p>
           <a:p>
-            <a:r>
-              <a:rPr lang="en-US" dirty="0"/>
+            <a:pPr lvl="1"/>
+            <a:r>
+              <a:rPr lang="en-US" sz="1800" dirty="0"/>
               <a:t>Driver Class</a:t>
             </a:r>
           </a:p>
@@ -6651,17 +6626,40 @@
           <a:lstStyle/>
           <a:p>
             <a:r>
-              <a:rPr lang="en-US" dirty="0"/>
-              <a:t>Requirements:</a:t>
-            </a:r>
-          </a:p>
-          <a:p>
-            <a:endParaRPr lang="en-US" dirty="0"/>
-          </a:p>
-          <a:p>
-            <a:r>
-              <a:rPr lang="en-US" dirty="0"/>
-              <a:t>Functionality menu in GUI</a:t>
+              <a:rPr lang="en-US" sz="2000" dirty="0"/>
+              <a:t>Requirements: GUI, GRP, </a:t>
+            </a:r>
+          </a:p>
+          <a:p>
+            <a:endParaRPr lang="en-US" sz="2000" dirty="0"/>
+          </a:p>
+          <a:p>
+            <a:r>
+              <a:rPr lang="en-US" sz="2000" dirty="0"/>
+              <a:t>Approach: Divided members between GUI and functionality</a:t>
+            </a:r>
+          </a:p>
+          <a:p>
+            <a:endParaRPr lang="en-US" sz="2000" dirty="0"/>
+          </a:p>
+          <a:p>
+            <a:r>
+              <a:rPr lang="en-US" sz="2000" dirty="0"/>
+              <a:t>Challenges:</a:t>
+            </a:r>
+          </a:p>
+          <a:p>
+            <a:pPr lvl="1"/>
+            <a:r>
+              <a:rPr lang="en-US" sz="1800" dirty="0"/>
+              <a:t>Function menu in GUI</a:t>
+            </a:r>
+          </a:p>
+          <a:p>
+            <a:pPr lvl="1"/>
+            <a:r>
+              <a:rPr lang="en-US" sz="1800" dirty="0"/>
+              <a:t>Sensor connect-disconnect</a:t>
             </a:r>
           </a:p>
           <a:p>
@@ -6737,37 +6735,40 @@
           <a:lstStyle/>
           <a:p>
             <a:r>
-              <a:rPr lang="en-US" dirty="0"/>
-              <a:t>Requirements: </a:t>
-            </a:r>
-          </a:p>
-          <a:p>
-            <a:endParaRPr lang="en-US" dirty="0"/>
-          </a:p>
-          <a:p>
-            <a:r>
-              <a:rPr lang="en-US" dirty="0"/>
+              <a:rPr lang="en-US" sz="2000" dirty="0"/>
+              <a:t>Requirements: PARGRP, web server, </a:t>
+            </a:r>
+          </a:p>
+          <a:p>
+            <a:endParaRPr lang="en-US" sz="2000" dirty="0"/>
+          </a:p>
+          <a:p>
+            <a:r>
+              <a:rPr lang="en-US" sz="2000" dirty="0"/>
+              <a:t>Approach: </a:t>
+            </a:r>
+          </a:p>
+          <a:p>
+            <a:endParaRPr lang="en-US" sz="2000" dirty="0"/>
+          </a:p>
+          <a:p>
+            <a:r>
+              <a:rPr lang="en-US" sz="2000" dirty="0"/>
+              <a:t>Challenges:</a:t>
+            </a:r>
+          </a:p>
+          <a:p>
+            <a:pPr lvl="1"/>
+            <a:r>
+              <a:rPr lang="en-US" sz="1800" dirty="0"/>
               <a:t>Timeframe</a:t>
             </a:r>
           </a:p>
           <a:p>
-            <a:r>
-              <a:rPr lang="en-US" dirty="0"/>
+            <a:pPr lvl="1"/>
+            <a:r>
+              <a:rPr lang="en-US" sz="1800" dirty="0"/>
               <a:t>Bug states</a:t>
-            </a:r>
-          </a:p>
-          <a:p>
-            <a:pPr lvl="1"/>
-            <a:r>
-              <a:rPr lang="en-US" dirty="0"/>
-              <a:t>…</a:t>
-            </a:r>
-          </a:p>
-          <a:p>
-            <a:pPr lvl="1"/>
-            <a:r>
-              <a:rPr lang="en-US" dirty="0"/>
-              <a:t>…</a:t>
             </a:r>
           </a:p>
           <a:p>
@@ -6822,7 +6823,7 @@
           <a:p>
             <a:r>
               <a:rPr lang="en-US" dirty="0"/>
-              <a:t>Final Design</a:t>
+              <a:t>Test Plan</a:t>
             </a:r>
           </a:p>
         </p:txBody>
@@ -6842,14 +6843,29 @@
           <a:bodyPr/>
           <a:lstStyle/>
           <a:p>
-            <a:endParaRPr lang="en-US" dirty="0"/>
+            <a:r>
+              <a:rPr lang="en-US" dirty="0"/>
+              <a:t>Class functionality</a:t>
+            </a:r>
+          </a:p>
+          <a:p>
+            <a:r>
+              <a:rPr lang="en-US" dirty="0"/>
+              <a:t>Each run</a:t>
+            </a:r>
+          </a:p>
+          <a:p>
+            <a:r>
+              <a:rPr lang="en-US" dirty="0"/>
+              <a:t>Unique cases</a:t>
+            </a:r>
           </a:p>
         </p:txBody>
       </p:sp>
     </p:spTree>
     <p:extLst>
       <p:ext uri="{BB962C8B-B14F-4D97-AF65-F5344CB8AC3E}">
-        <p14:creationId xmlns:p14="http://schemas.microsoft.com/office/powerpoint/2010/main" val="2196014616"/>
+        <p14:creationId xmlns:p14="http://schemas.microsoft.com/office/powerpoint/2010/main" val="3709939651"/>
       </p:ext>
     </p:extLst>
   </p:cSld>

--- a/Chrono Timer v1.pptx
+++ b/Chrono Timer v1.pptx
@@ -844,7 +844,7 @@
           <a:p>
             <a:fld id="{F75BF691-E959-4260-BCAA-F3F15615AE81}" type="datetimeFigureOut">
               <a:rPr lang="en-US" smtClean="0"/>
-              <a:t>4/28/2016</a:t>
+              <a:t>5/1/2016</a:t>
             </a:fld>
             <a:endParaRPr lang="en-US"/>
           </a:p>
@@ -1095,7 +1095,7 @@
           <a:p>
             <a:fld id="{F75BF691-E959-4260-BCAA-F3F15615AE81}" type="datetimeFigureOut">
               <a:rPr lang="en-US" smtClean="0"/>
-              <a:t>4/28/2016</a:t>
+              <a:t>5/1/2016</a:t>
             </a:fld>
             <a:endParaRPr lang="en-US"/>
           </a:p>
@@ -1409,7 +1409,7 @@
           <a:p>
             <a:fld id="{F75BF691-E959-4260-BCAA-F3F15615AE81}" type="datetimeFigureOut">
               <a:rPr lang="en-US" smtClean="0"/>
-              <a:t>4/28/2016</a:t>
+              <a:t>5/1/2016</a:t>
             </a:fld>
             <a:endParaRPr lang="en-US"/>
           </a:p>
@@ -1750,7 +1750,7 @@
           <a:p>
             <a:fld id="{F75BF691-E959-4260-BCAA-F3F15615AE81}" type="datetimeFigureOut">
               <a:rPr lang="en-US" smtClean="0"/>
-              <a:t>4/28/2016</a:t>
+              <a:t>5/1/2016</a:t>
             </a:fld>
             <a:endParaRPr lang="en-US"/>
           </a:p>
@@ -2064,7 +2064,7 @@
           <a:p>
             <a:fld id="{F75BF691-E959-4260-BCAA-F3F15615AE81}" type="datetimeFigureOut">
               <a:rPr lang="en-US" smtClean="0"/>
-              <a:t>4/28/2016</a:t>
+              <a:t>5/1/2016</a:t>
             </a:fld>
             <a:endParaRPr lang="en-US"/>
           </a:p>
@@ -2457,7 +2457,7 @@
           <a:p>
             <a:fld id="{F75BF691-E959-4260-BCAA-F3F15615AE81}" type="datetimeFigureOut">
               <a:rPr lang="en-US" smtClean="0"/>
-              <a:t>4/28/2016</a:t>
+              <a:t>5/1/2016</a:t>
             </a:fld>
             <a:endParaRPr lang="en-US"/>
           </a:p>
@@ -2627,7 +2627,7 @@
           <a:p>
             <a:fld id="{F75BF691-E959-4260-BCAA-F3F15615AE81}" type="datetimeFigureOut">
               <a:rPr lang="en-US" smtClean="0"/>
-              <a:t>4/28/2016</a:t>
+              <a:t>5/1/2016</a:t>
             </a:fld>
             <a:endParaRPr lang="en-US"/>
           </a:p>
@@ -2807,7 +2807,7 @@
           <a:p>
             <a:fld id="{F75BF691-E959-4260-BCAA-F3F15615AE81}" type="datetimeFigureOut">
               <a:rPr lang="en-US" smtClean="0"/>
-              <a:t>4/28/2016</a:t>
+              <a:t>5/1/2016</a:t>
             </a:fld>
             <a:endParaRPr lang="en-US"/>
           </a:p>
@@ -2983,7 +2983,7 @@
           <a:p>
             <a:fld id="{F75BF691-E959-4260-BCAA-F3F15615AE81}" type="datetimeFigureOut">
               <a:rPr lang="en-US" smtClean="0"/>
-              <a:t>4/28/2016</a:t>
+              <a:t>5/1/2016</a:t>
             </a:fld>
             <a:endParaRPr lang="en-US"/>
           </a:p>
@@ -3230,7 +3230,7 @@
           <a:p>
             <a:fld id="{F75BF691-E959-4260-BCAA-F3F15615AE81}" type="datetimeFigureOut">
               <a:rPr lang="en-US" smtClean="0"/>
-              <a:t>4/28/2016</a:t>
+              <a:t>5/1/2016</a:t>
             </a:fld>
             <a:endParaRPr lang="en-US"/>
           </a:p>
@@ -3462,7 +3462,7 @@
           <a:p>
             <a:fld id="{F75BF691-E959-4260-BCAA-F3F15615AE81}" type="datetimeFigureOut">
               <a:rPr lang="en-US" smtClean="0"/>
-              <a:t>4/28/2016</a:t>
+              <a:t>5/1/2016</a:t>
             </a:fld>
             <a:endParaRPr lang="en-US"/>
           </a:p>
@@ -3836,7 +3836,7 @@
           <a:p>
             <a:fld id="{F75BF691-E959-4260-BCAA-F3F15615AE81}" type="datetimeFigureOut">
               <a:rPr lang="en-US" smtClean="0"/>
-              <a:t>4/28/2016</a:t>
+              <a:t>5/1/2016</a:t>
             </a:fld>
             <a:endParaRPr lang="en-US"/>
           </a:p>
@@ -3959,7 +3959,7 @@
           <a:p>
             <a:fld id="{F75BF691-E959-4260-BCAA-F3F15615AE81}" type="datetimeFigureOut">
               <a:rPr lang="en-US" smtClean="0"/>
-              <a:t>4/28/2016</a:t>
+              <a:t>5/1/2016</a:t>
             </a:fld>
             <a:endParaRPr lang="en-US"/>
           </a:p>
@@ -4054,7 +4054,7 @@
           <a:p>
             <a:fld id="{F75BF691-E959-4260-BCAA-F3F15615AE81}" type="datetimeFigureOut">
               <a:rPr lang="en-US" smtClean="0"/>
-              <a:t>4/28/2016</a:t>
+              <a:t>5/1/2016</a:t>
             </a:fld>
             <a:endParaRPr lang="en-US"/>
           </a:p>
@@ -4309,7 +4309,7 @@
           <a:p>
             <a:fld id="{F75BF691-E959-4260-BCAA-F3F15615AE81}" type="datetimeFigureOut">
               <a:rPr lang="en-US" smtClean="0"/>
-              <a:t>4/28/2016</a:t>
+              <a:t>5/1/2016</a:t>
             </a:fld>
             <a:endParaRPr lang="en-US"/>
           </a:p>
@@ -4572,7 +4572,7 @@
           <a:p>
             <a:fld id="{F75BF691-E959-4260-BCAA-F3F15615AE81}" type="datetimeFigureOut">
               <a:rPr lang="en-US" smtClean="0"/>
-              <a:t>4/28/2016</a:t>
+              <a:t>5/1/2016</a:t>
             </a:fld>
             <a:endParaRPr lang="en-US"/>
           </a:p>
@@ -5315,7 +5315,7 @@
           <a:p>
             <a:fld id="{F75BF691-E959-4260-BCAA-F3F15615AE81}" type="datetimeFigureOut">
               <a:rPr lang="en-US" smtClean="0"/>
-              <a:t>4/28/2016</a:t>
+              <a:t>5/1/2016</a:t>
             </a:fld>
             <a:endParaRPr lang="en-US"/>
           </a:p>
@@ -6101,7 +6101,12 @@
             <p:ph type="title"/>
           </p:nvPr>
         </p:nvSpPr>
-        <p:spPr/>
+        <p:spPr>
+          <a:xfrm>
+            <a:off x="677334" y="609600"/>
+            <a:ext cx="8596668" cy="788377"/>
+          </a:xfrm>
+        </p:spPr>
         <p:txBody>
           <a:bodyPr/>
           <a:lstStyle/>
@@ -6129,31 +6134,31 @@
           <a:lstStyle/>
           <a:p>
             <a:r>
-              <a:rPr lang="en-US" dirty="0"/>
+              <a:rPr lang="en-US" sz="2000" dirty="0"/>
               <a:t>Use Case</a:t>
             </a:r>
           </a:p>
           <a:p>
             <a:r>
-              <a:rPr lang="en-US" dirty="0"/>
+              <a:rPr lang="en-US" sz="2000" dirty="0"/>
               <a:t>Domain Model</a:t>
             </a:r>
           </a:p>
           <a:p>
             <a:r>
-              <a:rPr lang="en-US" dirty="0"/>
+              <a:rPr lang="en-US" sz="2000" dirty="0"/>
               <a:t>Sprint Designs and Challenges</a:t>
             </a:r>
           </a:p>
           <a:p>
             <a:r>
-              <a:rPr lang="en-US" dirty="0"/>
+              <a:rPr lang="en-US" sz="2000" dirty="0"/>
               <a:t>Test Plan</a:t>
             </a:r>
           </a:p>
           <a:p>
             <a:r>
-              <a:rPr lang="en-US" dirty="0"/>
+              <a:rPr lang="en-US" sz="2000" dirty="0"/>
               <a:t>Demonstration</a:t>
             </a:r>
           </a:p>
@@ -6284,13 +6289,13 @@
               </a:ext>
             </a:extLst>
           </a:blip>
-          <a:srcRect l="25010"/>
+          <a:srcRect l="23734" t="1113" r="1319" b="2035"/>
           <a:stretch/>
         </p:blipFill>
         <p:spPr>
           <a:xfrm>
-            <a:off x="1241720" y="328246"/>
-            <a:ext cx="8400639" cy="6248400"/>
+            <a:off x="2198078" y="561352"/>
+            <a:ext cx="7728438" cy="5980125"/>
           </a:xfrm>
         </p:spPr>
       </p:pic>

--- a/Chrono Timer v1.pptx
+++ b/Chrono Timer v1.pptx
@@ -6526,7 +6526,7 @@
           <a:p>
             <a:r>
               <a:rPr lang="en-US" sz="2000" dirty="0"/>
-              <a:t>Requirements: PARIND, USB</a:t>
+              <a:t>Requirements: PARIND, USB export</a:t>
             </a:r>
           </a:p>
           <a:p>
@@ -6535,7 +6535,7 @@
           <a:p>
             <a:r>
               <a:rPr lang="en-US" sz="2000" dirty="0"/>
-              <a:t>Approach: Focused in fixes and only Sprint 2 updates</a:t>
+              <a:t>Approach: Focused in fixing structure and only Sprint 2 updates</a:t>
             </a:r>
           </a:p>
           <a:p>
@@ -6558,7 +6558,7 @@
             <a:pPr lvl="1"/>
             <a:r>
               <a:rPr lang="en-US" sz="1800" dirty="0"/>
-              <a:t>Driver Class</a:t>
+              <a:t>What went into Driver class and what stayed in the interface</a:t>
             </a:r>
           </a:p>
         </p:txBody>

--- a/Chrono Timer v1.pptx
+++ b/Chrono Timer v1.pptx
@@ -5956,7 +5956,16 @@
           <a:bodyPr/>
           <a:lstStyle/>
           <a:p>
-            <a:endParaRPr lang="en-US"/>
+            <a:r>
+              <a:rPr lang="en-US" dirty="0"/>
+              <a:t>Each race type</a:t>
+            </a:r>
+          </a:p>
+          <a:p>
+            <a:r>
+              <a:rPr lang="en-US"/>
+              <a:t>Web server</a:t>
+            </a:r>
           </a:p>
         </p:txBody>
       </p:sp>
@@ -6750,7 +6759,7 @@
           <a:p>
             <a:r>
               <a:rPr lang="en-US" sz="2000" dirty="0"/>
-              <a:t>Approach: </a:t>
+              <a:t>Approach: Continue working on previous section with new additions</a:t>
             </a:r>
           </a:p>
           <a:p>
@@ -6766,7 +6775,7 @@
             <a:pPr lvl="1"/>
             <a:r>
               <a:rPr lang="en-US" sz="1800" dirty="0"/>
-              <a:t>Timeframe</a:t>
+              <a:t>Underestimated time requirements</a:t>
             </a:r>
           </a:p>
           <a:p>
@@ -6867,6 +6876,36 @@
           </a:p>
         </p:txBody>
       </p:sp>
+      <p:pic>
+        <p:nvPicPr>
+          <p:cNvPr id="4" name="Picture 3"/>
+          <p:cNvPicPr>
+            <a:picLocks noChangeAspect="1"/>
+          </p:cNvPicPr>
+          <p:nvPr/>
+        </p:nvPicPr>
+        <p:blipFill>
+          <a:blip r:embed="rId2">
+            <a:extLst>
+              <a:ext uri="{28A0092B-C50C-407E-A947-70E740481C1C}">
+                <a14:useLocalDpi xmlns:a14="http://schemas.microsoft.com/office/drawing/2010/main" val="0"/>
+              </a:ext>
+            </a:extLst>
+          </a:blip>
+          <a:stretch>
+            <a:fillRect/>
+          </a:stretch>
+        </p:blipFill>
+        <p:spPr>
+          <a:xfrm>
+            <a:off x="4083614" y="400058"/>
+            <a:ext cx="3495355" cy="6121700"/>
+          </a:xfrm>
+          <a:prstGeom prst="rect">
+            <a:avLst/>
+          </a:prstGeom>
+        </p:spPr>
+      </p:pic>
     </p:spTree>
     <p:extLst>
       <p:ext uri="{BB962C8B-B14F-4D97-AF65-F5344CB8AC3E}">

--- a/Chrono Timer v1.pptx
+++ b/Chrono Timer v1.pptx
@@ -844,7 +844,7 @@
           <a:p>
             <a:fld id="{F75BF691-E959-4260-BCAA-F3F15615AE81}" type="datetimeFigureOut">
               <a:rPr lang="en-US" smtClean="0"/>
-              <a:t>5/1/2016</a:t>
+              <a:t>5/2/2016</a:t>
             </a:fld>
             <a:endParaRPr lang="en-US"/>
           </a:p>
@@ -1095,7 +1095,7 @@
           <a:p>
             <a:fld id="{F75BF691-E959-4260-BCAA-F3F15615AE81}" type="datetimeFigureOut">
               <a:rPr lang="en-US" smtClean="0"/>
-              <a:t>5/1/2016</a:t>
+              <a:t>5/2/2016</a:t>
             </a:fld>
             <a:endParaRPr lang="en-US"/>
           </a:p>
@@ -1409,7 +1409,7 @@
           <a:p>
             <a:fld id="{F75BF691-E959-4260-BCAA-F3F15615AE81}" type="datetimeFigureOut">
               <a:rPr lang="en-US" smtClean="0"/>
-              <a:t>5/1/2016</a:t>
+              <a:t>5/2/2016</a:t>
             </a:fld>
             <a:endParaRPr lang="en-US"/>
           </a:p>
@@ -1750,7 +1750,7 @@
           <a:p>
             <a:fld id="{F75BF691-E959-4260-BCAA-F3F15615AE81}" type="datetimeFigureOut">
               <a:rPr lang="en-US" smtClean="0"/>
-              <a:t>5/1/2016</a:t>
+              <a:t>5/2/2016</a:t>
             </a:fld>
             <a:endParaRPr lang="en-US"/>
           </a:p>
@@ -2064,7 +2064,7 @@
           <a:p>
             <a:fld id="{F75BF691-E959-4260-BCAA-F3F15615AE81}" type="datetimeFigureOut">
               <a:rPr lang="en-US" smtClean="0"/>
-              <a:t>5/1/2016</a:t>
+              <a:t>5/2/2016</a:t>
             </a:fld>
             <a:endParaRPr lang="en-US"/>
           </a:p>
@@ -2457,7 +2457,7 @@
           <a:p>
             <a:fld id="{F75BF691-E959-4260-BCAA-F3F15615AE81}" type="datetimeFigureOut">
               <a:rPr lang="en-US" smtClean="0"/>
-              <a:t>5/1/2016</a:t>
+              <a:t>5/2/2016</a:t>
             </a:fld>
             <a:endParaRPr lang="en-US"/>
           </a:p>
@@ -2627,7 +2627,7 @@
           <a:p>
             <a:fld id="{F75BF691-E959-4260-BCAA-F3F15615AE81}" type="datetimeFigureOut">
               <a:rPr lang="en-US" smtClean="0"/>
-              <a:t>5/1/2016</a:t>
+              <a:t>5/2/2016</a:t>
             </a:fld>
             <a:endParaRPr lang="en-US"/>
           </a:p>
@@ -2807,7 +2807,7 @@
           <a:p>
             <a:fld id="{F75BF691-E959-4260-BCAA-F3F15615AE81}" type="datetimeFigureOut">
               <a:rPr lang="en-US" smtClean="0"/>
-              <a:t>5/1/2016</a:t>
+              <a:t>5/2/2016</a:t>
             </a:fld>
             <a:endParaRPr lang="en-US"/>
           </a:p>
@@ -2983,7 +2983,7 @@
           <a:p>
             <a:fld id="{F75BF691-E959-4260-BCAA-F3F15615AE81}" type="datetimeFigureOut">
               <a:rPr lang="en-US" smtClean="0"/>
-              <a:t>5/1/2016</a:t>
+              <a:t>5/2/2016</a:t>
             </a:fld>
             <a:endParaRPr lang="en-US"/>
           </a:p>
@@ -3230,7 +3230,7 @@
           <a:p>
             <a:fld id="{F75BF691-E959-4260-BCAA-F3F15615AE81}" type="datetimeFigureOut">
               <a:rPr lang="en-US" smtClean="0"/>
-              <a:t>5/1/2016</a:t>
+              <a:t>5/2/2016</a:t>
             </a:fld>
             <a:endParaRPr lang="en-US"/>
           </a:p>
@@ -3462,7 +3462,7 @@
           <a:p>
             <a:fld id="{F75BF691-E959-4260-BCAA-F3F15615AE81}" type="datetimeFigureOut">
               <a:rPr lang="en-US" smtClean="0"/>
-              <a:t>5/1/2016</a:t>
+              <a:t>5/2/2016</a:t>
             </a:fld>
             <a:endParaRPr lang="en-US"/>
           </a:p>
@@ -3836,7 +3836,7 @@
           <a:p>
             <a:fld id="{F75BF691-E959-4260-BCAA-F3F15615AE81}" type="datetimeFigureOut">
               <a:rPr lang="en-US" smtClean="0"/>
-              <a:t>5/1/2016</a:t>
+              <a:t>5/2/2016</a:t>
             </a:fld>
             <a:endParaRPr lang="en-US"/>
           </a:p>
@@ -3959,7 +3959,7 @@
           <a:p>
             <a:fld id="{F75BF691-E959-4260-BCAA-F3F15615AE81}" type="datetimeFigureOut">
               <a:rPr lang="en-US" smtClean="0"/>
-              <a:t>5/1/2016</a:t>
+              <a:t>5/2/2016</a:t>
             </a:fld>
             <a:endParaRPr lang="en-US"/>
           </a:p>
@@ -4054,7 +4054,7 @@
           <a:p>
             <a:fld id="{F75BF691-E959-4260-BCAA-F3F15615AE81}" type="datetimeFigureOut">
               <a:rPr lang="en-US" smtClean="0"/>
-              <a:t>5/1/2016</a:t>
+              <a:t>5/2/2016</a:t>
             </a:fld>
             <a:endParaRPr lang="en-US"/>
           </a:p>
@@ -4309,7 +4309,7 @@
           <a:p>
             <a:fld id="{F75BF691-E959-4260-BCAA-F3F15615AE81}" type="datetimeFigureOut">
               <a:rPr lang="en-US" smtClean="0"/>
-              <a:t>5/1/2016</a:t>
+              <a:t>5/2/2016</a:t>
             </a:fld>
             <a:endParaRPr lang="en-US"/>
           </a:p>
@@ -4572,7 +4572,7 @@
           <a:p>
             <a:fld id="{F75BF691-E959-4260-BCAA-F3F15615AE81}" type="datetimeFigureOut">
               <a:rPr lang="en-US" smtClean="0"/>
-              <a:t>5/1/2016</a:t>
+              <a:t>5/2/2016</a:t>
             </a:fld>
             <a:endParaRPr lang="en-US"/>
           </a:p>
@@ -5315,7 +5315,7 @@
           <a:p>
             <a:fld id="{F75BF691-E959-4260-BCAA-F3F15615AE81}" type="datetimeFigureOut">
               <a:rPr lang="en-US" smtClean="0"/>
-              <a:t>5/1/2016</a:t>
+              <a:t>5/2/2016</a:t>
             </a:fld>
             <a:endParaRPr lang="en-US"/>
           </a:p>
@@ -6898,8 +6898,8 @@
         </p:blipFill>
         <p:spPr>
           <a:xfrm>
-            <a:off x="4083614" y="400058"/>
-            <a:ext cx="3495355" cy="6121700"/>
+            <a:off x="3907768" y="915200"/>
+            <a:ext cx="5047878" cy="4571200"/>
           </a:xfrm>
           <a:prstGeom prst="rect">
             <a:avLst/>

--- a/Chrono Timer v1.pptx
+++ b/Chrono Timer v1.pptx
@@ -9,13 +9,15 @@
     <p:sldId id="257" r:id="rId3"/>
     <p:sldId id="258" r:id="rId4"/>
     <p:sldId id="259" r:id="rId5"/>
-    <p:sldId id="260" r:id="rId6"/>
-    <p:sldId id="261" r:id="rId7"/>
-    <p:sldId id="262" r:id="rId8"/>
-    <p:sldId id="263" r:id="rId9"/>
-    <p:sldId id="265" r:id="rId10"/>
-    <p:sldId id="266" r:id="rId11"/>
-    <p:sldId id="267" r:id="rId12"/>
+    <p:sldId id="268" r:id="rId6"/>
+    <p:sldId id="269" r:id="rId7"/>
+    <p:sldId id="260" r:id="rId8"/>
+    <p:sldId id="261" r:id="rId9"/>
+    <p:sldId id="262" r:id="rId10"/>
+    <p:sldId id="263" r:id="rId11"/>
+    <p:sldId id="265" r:id="rId12"/>
+    <p:sldId id="266" r:id="rId13"/>
+    <p:sldId id="267" r:id="rId14"/>
   </p:sldIdLst>
   <p:sldSz cx="12192000" cy="6858000"/>
   <p:notesSz cx="6858000" cy="9144000"/>
@@ -5936,6 +5938,231 @@
           <a:p>
             <a:r>
               <a:rPr lang="en-US" dirty="0"/>
+              <a:t>Adding Features: Sprint 4</a:t>
+            </a:r>
+          </a:p>
+        </p:txBody>
+      </p:sp>
+      <p:sp>
+        <p:nvSpPr>
+          <p:cNvPr id="3" name="Content Placeholder 2"/>
+          <p:cNvSpPr>
+            <a:spLocks noGrp="1"/>
+          </p:cNvSpPr>
+          <p:nvPr>
+            <p:ph idx="1"/>
+          </p:nvPr>
+        </p:nvSpPr>
+        <p:spPr/>
+        <p:txBody>
+          <a:bodyPr/>
+          <a:lstStyle/>
+          <a:p>
+            <a:r>
+              <a:rPr lang="en-US" sz="2000" dirty="0"/>
+              <a:t>Requirements: PARGRP, web server, </a:t>
+            </a:r>
+          </a:p>
+          <a:p>
+            <a:endParaRPr lang="en-US" sz="2000" dirty="0"/>
+          </a:p>
+          <a:p>
+            <a:r>
+              <a:rPr lang="en-US" sz="2000" dirty="0"/>
+              <a:t>Approach: Continue working on previous section with new additions</a:t>
+            </a:r>
+          </a:p>
+          <a:p>
+            <a:endParaRPr lang="en-US" sz="2000" dirty="0"/>
+          </a:p>
+          <a:p>
+            <a:r>
+              <a:rPr lang="en-US" sz="2000" dirty="0"/>
+              <a:t>Challenges:</a:t>
+            </a:r>
+          </a:p>
+          <a:p>
+            <a:pPr lvl="1"/>
+            <a:r>
+              <a:rPr lang="en-US" sz="1800" dirty="0"/>
+              <a:t>Underestimated time requirements</a:t>
+            </a:r>
+          </a:p>
+          <a:p>
+            <a:pPr lvl="1"/>
+            <a:r>
+              <a:rPr lang="en-US" sz="1800" dirty="0"/>
+              <a:t>Bug states</a:t>
+            </a:r>
+          </a:p>
+          <a:p>
+            <a:endParaRPr lang="en-US" dirty="0"/>
+          </a:p>
+        </p:txBody>
+      </p:sp>
+    </p:spTree>
+    <p:extLst>
+      <p:ext uri="{BB962C8B-B14F-4D97-AF65-F5344CB8AC3E}">
+        <p14:creationId xmlns:p14="http://schemas.microsoft.com/office/powerpoint/2010/main" val="4099728512"/>
+      </p:ext>
+    </p:extLst>
+  </p:cSld>
+  <p:clrMapOvr>
+    <a:masterClrMapping/>
+  </p:clrMapOvr>
+</p:sld>
+</file>
+
+<file path=ppt/slides/slide11.xml><?xml version="1.0" encoding="utf-8"?>
+<p:sld xmlns:a="http://schemas.openxmlformats.org/drawingml/2006/main" xmlns:r="http://schemas.openxmlformats.org/officeDocument/2006/relationships" xmlns:p="http://schemas.openxmlformats.org/presentationml/2006/main">
+  <p:cSld>
+    <p:spTree>
+      <p:nvGrpSpPr>
+        <p:cNvPr id="1" name=""/>
+        <p:cNvGrpSpPr/>
+        <p:nvPr/>
+      </p:nvGrpSpPr>
+      <p:grpSpPr>
+        <a:xfrm>
+          <a:off x="0" y="0"/>
+          <a:ext cx="0" cy="0"/>
+          <a:chOff x="0" y="0"/>
+          <a:chExt cx="0" cy="0"/>
+        </a:xfrm>
+      </p:grpSpPr>
+      <p:sp>
+        <p:nvSpPr>
+          <p:cNvPr id="2" name="Title 1"/>
+          <p:cNvSpPr>
+            <a:spLocks noGrp="1"/>
+          </p:cNvSpPr>
+          <p:nvPr>
+            <p:ph type="title"/>
+          </p:nvPr>
+        </p:nvSpPr>
+        <p:spPr/>
+        <p:txBody>
+          <a:bodyPr/>
+          <a:lstStyle/>
+          <a:p>
+            <a:r>
+              <a:rPr lang="en-US" dirty="0"/>
+              <a:t>Test Plan</a:t>
+            </a:r>
+          </a:p>
+        </p:txBody>
+      </p:sp>
+      <p:sp>
+        <p:nvSpPr>
+          <p:cNvPr id="3" name="Content Placeholder 2"/>
+          <p:cNvSpPr>
+            <a:spLocks noGrp="1"/>
+          </p:cNvSpPr>
+          <p:nvPr>
+            <p:ph idx="1"/>
+          </p:nvPr>
+        </p:nvSpPr>
+        <p:spPr/>
+        <p:txBody>
+          <a:bodyPr/>
+          <a:lstStyle/>
+          <a:p>
+            <a:r>
+              <a:rPr lang="en-US" dirty="0"/>
+              <a:t>Class functionality</a:t>
+            </a:r>
+          </a:p>
+          <a:p>
+            <a:r>
+              <a:rPr lang="en-US" dirty="0"/>
+              <a:t>Each run</a:t>
+            </a:r>
+          </a:p>
+          <a:p>
+            <a:r>
+              <a:rPr lang="en-US" dirty="0"/>
+              <a:t>Unique cases</a:t>
+            </a:r>
+          </a:p>
+        </p:txBody>
+      </p:sp>
+      <p:pic>
+        <p:nvPicPr>
+          <p:cNvPr id="4" name="Picture 3"/>
+          <p:cNvPicPr>
+            <a:picLocks noChangeAspect="1"/>
+          </p:cNvPicPr>
+          <p:nvPr/>
+        </p:nvPicPr>
+        <p:blipFill>
+          <a:blip r:embed="rId2">
+            <a:extLst>
+              <a:ext uri="{28A0092B-C50C-407E-A947-70E740481C1C}">
+                <a14:useLocalDpi xmlns:a14="http://schemas.microsoft.com/office/drawing/2010/main" val="0"/>
+              </a:ext>
+            </a:extLst>
+          </a:blip>
+          <a:stretch>
+            <a:fillRect/>
+          </a:stretch>
+        </p:blipFill>
+        <p:spPr>
+          <a:xfrm>
+            <a:off x="3907768" y="915200"/>
+            <a:ext cx="5047878" cy="4571200"/>
+          </a:xfrm>
+          <a:prstGeom prst="rect">
+            <a:avLst/>
+          </a:prstGeom>
+        </p:spPr>
+      </p:pic>
+    </p:spTree>
+    <p:extLst>
+      <p:ext uri="{BB962C8B-B14F-4D97-AF65-F5344CB8AC3E}">
+        <p14:creationId xmlns:p14="http://schemas.microsoft.com/office/powerpoint/2010/main" val="3709939651"/>
+      </p:ext>
+    </p:extLst>
+  </p:cSld>
+  <p:clrMapOvr>
+    <a:masterClrMapping/>
+  </p:clrMapOvr>
+</p:sld>
+</file>
+
+<file path=ppt/slides/slide12.xml><?xml version="1.0" encoding="utf-8"?>
+<p:sld xmlns:a="http://schemas.openxmlformats.org/drawingml/2006/main" xmlns:r="http://schemas.openxmlformats.org/officeDocument/2006/relationships" xmlns:p="http://schemas.openxmlformats.org/presentationml/2006/main">
+  <p:cSld>
+    <p:spTree>
+      <p:nvGrpSpPr>
+        <p:cNvPr id="1" name=""/>
+        <p:cNvGrpSpPr/>
+        <p:nvPr/>
+      </p:nvGrpSpPr>
+      <p:grpSpPr>
+        <a:xfrm>
+          <a:off x="0" y="0"/>
+          <a:ext cx="0" cy="0"/>
+          <a:chOff x="0" y="0"/>
+          <a:chExt cx="0" cy="0"/>
+        </a:xfrm>
+      </p:grpSpPr>
+      <p:sp>
+        <p:nvSpPr>
+          <p:cNvPr id="2" name="Title 1"/>
+          <p:cNvSpPr>
+            <a:spLocks noGrp="1"/>
+          </p:cNvSpPr>
+          <p:nvPr>
+            <p:ph type="title"/>
+          </p:nvPr>
+        </p:nvSpPr>
+        <p:spPr/>
+        <p:txBody>
+          <a:bodyPr/>
+          <a:lstStyle/>
+          <a:p>
+            <a:r>
+              <a:rPr lang="en-US" dirty="0"/>
               <a:t>Demo</a:t>
             </a:r>
           </a:p>
@@ -5982,7 +6209,7 @@
 </p:sld>
 </file>
 
-<file path=ppt/slides/slide11.xml><?xml version="1.0" encoding="utf-8"?>
+<file path=ppt/slides/slide13.xml><?xml version="1.0" encoding="utf-8"?>
 <p:sld xmlns:a="http://schemas.openxmlformats.org/drawingml/2006/main" xmlns:r="http://schemas.openxmlformats.org/officeDocument/2006/relationships" xmlns:p="http://schemas.openxmlformats.org/presentationml/2006/main">
   <p:cSld>
     <p:spTree>
@@ -6231,25 +6458,34 @@
           </a:p>
         </p:txBody>
       </p:sp>
-      <p:sp>
-        <p:nvSpPr>
-          <p:cNvPr id="3" name="Content Placeholder 2"/>
-          <p:cNvSpPr>
-            <a:spLocks noGrp="1"/>
-          </p:cNvSpPr>
+      <p:pic>
+        <p:nvPicPr>
+          <p:cNvPr id="4" name="Content Placeholder 3"/>
+          <p:cNvPicPr>
+            <a:picLocks noGrp="1" noChangeAspect="1"/>
+          </p:cNvPicPr>
           <p:nvPr>
             <p:ph idx="1"/>
           </p:nvPr>
-        </p:nvSpPr>
-        <p:spPr/>
-        <p:txBody>
-          <a:bodyPr/>
-          <a:lstStyle/>
-          <a:p>
-            <a:endParaRPr lang="en-US"/>
-          </a:p>
-        </p:txBody>
-      </p:sp>
+        </p:nvPicPr>
+        <p:blipFill rotWithShape="1">
+          <a:blip r:embed="rId2">
+            <a:extLst>
+              <a:ext uri="{28A0092B-C50C-407E-A947-70E740481C1C}">
+                <a14:useLocalDpi xmlns:a14="http://schemas.microsoft.com/office/drawing/2010/main" val="0"/>
+              </a:ext>
+            </a:extLst>
+          </a:blip>
+          <a:srcRect l="21885" t="32679"/>
+          <a:stretch/>
+        </p:blipFill>
+        <p:spPr>
+          <a:xfrm>
+            <a:off x="1577019" y="1758462"/>
+            <a:ext cx="6670913" cy="3879117"/>
+          </a:xfrm>
+        </p:spPr>
+      </p:pic>
     </p:spTree>
     <p:extLst>
       <p:ext uri="{BB962C8B-B14F-4D97-AF65-F5344CB8AC3E}">
@@ -6298,13 +6534,13 @@
               </a:ext>
             </a:extLst>
           </a:blip>
-          <a:srcRect l="23734" t="1113" r="1319" b="2035"/>
+          <a:srcRect l="28555" t="10174" r="1366" b="2429"/>
           <a:stretch/>
         </p:blipFill>
         <p:spPr>
           <a:xfrm>
-            <a:off x="2198078" y="561352"/>
-            <a:ext cx="7728438" cy="5980125"/>
+            <a:off x="2743200" y="1148381"/>
+            <a:ext cx="7077808" cy="5595604"/>
           </a:xfrm>
         </p:spPr>
       </p:pic>
@@ -6318,7 +6554,12 @@
             <p:ph type="title"/>
           </p:nvPr>
         </p:nvSpPr>
-        <p:spPr/>
+        <p:spPr>
+          <a:xfrm>
+            <a:off x="677334" y="416169"/>
+            <a:ext cx="8596668" cy="732212"/>
+          </a:xfrm>
+        </p:spPr>
         <p:txBody>
           <a:bodyPr/>
           <a:lstStyle/>
@@ -6370,96 +6611,50 @@
             <p:ph type="title"/>
           </p:nvPr>
         </p:nvSpPr>
+        <p:spPr/>
+        <p:txBody>
+          <a:bodyPr/>
+          <a:lstStyle/>
+          <a:p>
+            <a:r>
+              <a:rPr lang="en-US" dirty="0"/>
+              <a:t>Zoomed In Domain</a:t>
+            </a:r>
+          </a:p>
+        </p:txBody>
+      </p:sp>
+      <p:pic>
+        <p:nvPicPr>
+          <p:cNvPr id="4" name="Content Placeholder 3"/>
+          <p:cNvPicPr>
+            <a:picLocks noGrp="1" noChangeAspect="1"/>
+          </p:cNvPicPr>
+          <p:nvPr>
+            <p:ph idx="1"/>
+          </p:nvPr>
+        </p:nvPicPr>
+        <p:blipFill rotWithShape="1">
+          <a:blip r:embed="rId2">
+            <a:extLst>
+              <a:ext uri="{28A0092B-C50C-407E-A947-70E740481C1C}">
+                <a14:useLocalDpi xmlns:a14="http://schemas.microsoft.com/office/drawing/2010/main" val="0"/>
+              </a:ext>
+            </a:extLst>
+          </a:blip>
+          <a:srcRect l="9284" t="9785" r="1446" b="1915"/>
+          <a:stretch/>
+        </p:blipFill>
         <p:spPr>
           <a:xfrm>
-            <a:off x="677334" y="609600"/>
-            <a:ext cx="8596668" cy="805962"/>
+            <a:off x="1670539" y="1620121"/>
+            <a:ext cx="7842738" cy="4631210"/>
           </a:xfrm>
         </p:spPr>
-        <p:txBody>
-          <a:bodyPr/>
-          <a:lstStyle/>
-          <a:p>
-            <a:r>
-              <a:rPr lang="en-US" dirty="0"/>
-              <a:t>Initial Design: Sprint 1</a:t>
-            </a:r>
-          </a:p>
-        </p:txBody>
-      </p:sp>
-      <p:sp>
-        <p:nvSpPr>
-          <p:cNvPr id="3" name="Content Placeholder 2"/>
-          <p:cNvSpPr>
-            <a:spLocks noGrp="1"/>
-          </p:cNvSpPr>
-          <p:nvPr>
-            <p:ph idx="1"/>
-          </p:nvPr>
-        </p:nvSpPr>
-        <p:spPr>
-          <a:xfrm>
-            <a:off x="677334" y="1940782"/>
-            <a:ext cx="8596668" cy="3880773"/>
-          </a:xfrm>
-        </p:spPr>
-        <p:txBody>
-          <a:bodyPr/>
-          <a:lstStyle/>
-          <a:p>
-            <a:r>
-              <a:rPr lang="en-US" sz="2000" dirty="0"/>
-              <a:t>Requirements: Basic functionality, IND race, IND special cases</a:t>
-            </a:r>
-          </a:p>
-          <a:p>
-            <a:endParaRPr lang="en-US" sz="2000" dirty="0"/>
-          </a:p>
-          <a:p>
-            <a:r>
-              <a:rPr lang="en-US" sz="2000" dirty="0"/>
-              <a:t>Approach: Build skeleton of entire project</a:t>
-            </a:r>
-          </a:p>
-          <a:p>
-            <a:endParaRPr lang="en-US" sz="2000" dirty="0"/>
-          </a:p>
-          <a:p>
-            <a:r>
-              <a:rPr lang="en-US" sz="2000" dirty="0"/>
-              <a:t>Challenges:</a:t>
-            </a:r>
-          </a:p>
-          <a:p>
-            <a:pPr lvl="1"/>
-            <a:r>
-              <a:rPr lang="en-US" sz="1800" dirty="0"/>
-              <a:t>Scaled too large too fast</a:t>
-            </a:r>
-          </a:p>
-          <a:p>
-            <a:pPr lvl="1"/>
-            <a:r>
-              <a:rPr lang="en-US" sz="1800" dirty="0"/>
-              <a:t>Confusion on purposes and interaction of different classes</a:t>
-            </a:r>
-          </a:p>
-          <a:p>
-            <a:pPr lvl="1"/>
-            <a:r>
-              <a:rPr lang="en-US" sz="1800" dirty="0"/>
-              <a:t>Debate on which class had control/access/ownership of others</a:t>
-            </a:r>
-          </a:p>
-          <a:p>
-            <a:endParaRPr lang="en-US" dirty="0"/>
-          </a:p>
-        </p:txBody>
-      </p:sp>
+      </p:pic>
     </p:spTree>
     <p:extLst>
       <p:ext uri="{BB962C8B-B14F-4D97-AF65-F5344CB8AC3E}">
-        <p14:creationId xmlns:p14="http://schemas.microsoft.com/office/powerpoint/2010/main" val="512238347"/>
+        <p14:creationId xmlns:p14="http://schemas.microsoft.com/office/powerpoint/2010/main" val="3241514439"/>
       </p:ext>
     </p:extLst>
   </p:cSld>
@@ -6496,86 +6691,54 @@
             <p:ph type="title"/>
           </p:nvPr>
         </p:nvSpPr>
+        <p:spPr/>
+        <p:txBody>
+          <a:bodyPr/>
+          <a:lstStyle/>
+          <a:p>
+            <a:r>
+              <a:rPr lang="en-US" dirty="0" err="1"/>
+              <a:t>ChronoTimer</a:t>
+            </a:r>
+            <a:r>
+              <a:rPr lang="en-US" dirty="0"/>
+              <a:t> Component</a:t>
+            </a:r>
+          </a:p>
+        </p:txBody>
+      </p:sp>
+      <p:pic>
+        <p:nvPicPr>
+          <p:cNvPr id="4" name="Content Placeholder 3"/>
+          <p:cNvPicPr>
+            <a:picLocks noGrp="1" noChangeAspect="1"/>
+          </p:cNvPicPr>
+          <p:nvPr>
+            <p:ph idx="1"/>
+          </p:nvPr>
+        </p:nvPicPr>
+        <p:blipFill rotWithShape="1">
+          <a:blip r:embed="rId2">
+            <a:extLst>
+              <a:ext uri="{28A0092B-C50C-407E-A947-70E740481C1C}">
+                <a14:useLocalDpi xmlns:a14="http://schemas.microsoft.com/office/drawing/2010/main" val="0"/>
+              </a:ext>
+            </a:extLst>
+          </a:blip>
+          <a:srcRect l="2892" t="8441" r="1350" b="2535"/>
+          <a:stretch/>
+        </p:blipFill>
         <p:spPr>
           <a:xfrm>
-            <a:off x="677334" y="609600"/>
-            <a:ext cx="8596668" cy="832338"/>
+            <a:off x="1464730" y="1494692"/>
+            <a:ext cx="7204485" cy="5011263"/>
           </a:xfrm>
         </p:spPr>
-        <p:txBody>
-          <a:bodyPr/>
-          <a:lstStyle/>
-          <a:p>
-            <a:r>
-              <a:rPr lang="en-US" dirty="0"/>
-              <a:t>Rethinking Design: Sprint 2</a:t>
-            </a:r>
-          </a:p>
-        </p:txBody>
-      </p:sp>
-      <p:sp>
-        <p:nvSpPr>
-          <p:cNvPr id="3" name="Content Placeholder 2"/>
-          <p:cNvSpPr>
-            <a:spLocks noGrp="1"/>
-          </p:cNvSpPr>
-          <p:nvPr>
-            <p:ph idx="1"/>
-          </p:nvPr>
-        </p:nvSpPr>
-        <p:spPr>
-          <a:xfrm>
-            <a:off x="677334" y="1861651"/>
-            <a:ext cx="8596668" cy="3880773"/>
-          </a:xfrm>
-        </p:spPr>
-        <p:txBody>
-          <a:bodyPr/>
-          <a:lstStyle/>
-          <a:p>
-            <a:r>
-              <a:rPr lang="en-US" sz="2000" dirty="0"/>
-              <a:t>Requirements: PARIND, USB export</a:t>
-            </a:r>
-          </a:p>
-          <a:p>
-            <a:endParaRPr lang="en-US" sz="2000" dirty="0"/>
-          </a:p>
-          <a:p>
-            <a:r>
-              <a:rPr lang="en-US" sz="2000" dirty="0"/>
-              <a:t>Approach: Focused in fixing structure and only Sprint 2 updates</a:t>
-            </a:r>
-          </a:p>
-          <a:p>
-            <a:endParaRPr lang="en-US" sz="2000" dirty="0"/>
-          </a:p>
-          <a:p>
-            <a:r>
-              <a:rPr lang="en-US" sz="2000" dirty="0"/>
-              <a:t>Challenges:</a:t>
-            </a:r>
-          </a:p>
-          <a:p>
-            <a:pPr lvl="1"/>
-            <a:r>
-              <a:rPr lang="en-US" sz="1800" dirty="0"/>
-              <a:t>Clear domain model to reference</a:t>
-            </a:r>
-          </a:p>
-          <a:p>
-            <a:pPr lvl="1"/>
-            <a:r>
-              <a:rPr lang="en-US" sz="1800" dirty="0"/>
-              <a:t>What went into Driver class and what stayed in the interface</a:t>
-            </a:r>
-          </a:p>
-        </p:txBody>
-      </p:sp>
+      </p:pic>
     </p:spTree>
     <p:extLst>
       <p:ext uri="{BB962C8B-B14F-4D97-AF65-F5344CB8AC3E}">
-        <p14:creationId xmlns:p14="http://schemas.microsoft.com/office/powerpoint/2010/main" val="2578328150"/>
+        <p14:creationId xmlns:p14="http://schemas.microsoft.com/office/powerpoint/2010/main" val="4152053457"/>
       </p:ext>
     </p:extLst>
   </p:cSld>
@@ -6612,14 +6775,19 @@
             <p:ph type="title"/>
           </p:nvPr>
         </p:nvSpPr>
-        <p:spPr/>
+        <p:spPr>
+          <a:xfrm>
+            <a:off x="677334" y="609600"/>
+            <a:ext cx="8596668" cy="805962"/>
+          </a:xfrm>
+        </p:spPr>
         <p:txBody>
           <a:bodyPr/>
           <a:lstStyle/>
           <a:p>
             <a:r>
               <a:rPr lang="en-US" dirty="0"/>
-              <a:t>Working Plan: Sprint 3</a:t>
+              <a:t>Initial Design: Sprint 1</a:t>
             </a:r>
           </a:p>
         </p:txBody>
@@ -6634,14 +6802,19 @@
             <p:ph idx="1"/>
           </p:nvPr>
         </p:nvSpPr>
-        <p:spPr/>
+        <p:spPr>
+          <a:xfrm>
+            <a:off x="677334" y="1940782"/>
+            <a:ext cx="8596668" cy="3880773"/>
+          </a:xfrm>
+        </p:spPr>
         <p:txBody>
           <a:bodyPr/>
           <a:lstStyle/>
           <a:p>
             <a:r>
               <a:rPr lang="en-US" sz="2000" dirty="0"/>
-              <a:t>Requirements: GUI, GRP, </a:t>
+              <a:t>Requirements: Basic functionality, IND race, IND special cases</a:t>
             </a:r>
           </a:p>
           <a:p>
@@ -6650,7 +6823,7 @@
           <a:p>
             <a:r>
               <a:rPr lang="en-US" sz="2000" dirty="0"/>
-              <a:t>Approach: Divided members between GUI and functionality</a:t>
+              <a:t>Approach: Build skeleton of entire project</a:t>
             </a:r>
           </a:p>
           <a:p>
@@ -6666,14 +6839,21 @@
             <a:pPr lvl="1"/>
             <a:r>
               <a:rPr lang="en-US" sz="1800" dirty="0"/>
-              <a:t>Function menu in GUI</a:t>
+              <a:t>Scaled too large too fast</a:t>
             </a:r>
           </a:p>
           <a:p>
             <a:pPr lvl="1"/>
             <a:r>
               <a:rPr lang="en-US" sz="1800" dirty="0"/>
-              <a:t>Sensor connect-disconnect</a:t>
+              <a:t>Confusion on purposes and interaction of different classes</a:t>
+            </a:r>
+          </a:p>
+          <a:p>
+            <a:pPr lvl="1"/>
+            <a:r>
+              <a:rPr lang="en-US" sz="1800" dirty="0"/>
+              <a:t>Debate on which class had control/access/ownership of others</a:t>
             </a:r>
           </a:p>
           <a:p>
@@ -6684,7 +6864,7 @@
     </p:spTree>
     <p:extLst>
       <p:ext uri="{BB962C8B-B14F-4D97-AF65-F5344CB8AC3E}">
-        <p14:creationId xmlns:p14="http://schemas.microsoft.com/office/powerpoint/2010/main" val="998151021"/>
+        <p14:creationId xmlns:p14="http://schemas.microsoft.com/office/powerpoint/2010/main" val="512238347"/>
       </p:ext>
     </p:extLst>
   </p:cSld>
@@ -6721,14 +6901,19 @@
             <p:ph type="title"/>
           </p:nvPr>
         </p:nvSpPr>
-        <p:spPr/>
+        <p:spPr>
+          <a:xfrm>
+            <a:off x="677334" y="609600"/>
+            <a:ext cx="8596668" cy="832338"/>
+          </a:xfrm>
+        </p:spPr>
         <p:txBody>
           <a:bodyPr/>
           <a:lstStyle/>
           <a:p>
             <a:r>
               <a:rPr lang="en-US" dirty="0"/>
-              <a:t>Adding Features: Sprint 4</a:t>
+              <a:t>Rethinking Design: Sprint 2</a:t>
             </a:r>
           </a:p>
         </p:txBody>
@@ -6743,14 +6928,19 @@
             <p:ph idx="1"/>
           </p:nvPr>
         </p:nvSpPr>
-        <p:spPr/>
+        <p:spPr>
+          <a:xfrm>
+            <a:off x="677334" y="1861651"/>
+            <a:ext cx="8596668" cy="3880773"/>
+          </a:xfrm>
+        </p:spPr>
         <p:txBody>
           <a:bodyPr/>
           <a:lstStyle/>
           <a:p>
             <a:r>
               <a:rPr lang="en-US" sz="2000" dirty="0"/>
-              <a:t>Requirements: PARGRP, web server, </a:t>
+              <a:t>Requirements: PARIND, USB export</a:t>
             </a:r>
           </a:p>
           <a:p>
@@ -6759,7 +6949,7 @@
           <a:p>
             <a:r>
               <a:rPr lang="en-US" sz="2000" dirty="0"/>
-              <a:t>Approach: Continue working on previous section with new additions</a:t>
+              <a:t>Approach: Focused in fixing structure and only Sprint 2 updates</a:t>
             </a:r>
           </a:p>
           <a:p>
@@ -6775,25 +6965,22 @@
             <a:pPr lvl="1"/>
             <a:r>
               <a:rPr lang="en-US" sz="1800" dirty="0"/>
-              <a:t>Underestimated time requirements</a:t>
+              <a:t>Clear domain model to reference</a:t>
             </a:r>
           </a:p>
           <a:p>
             <a:pPr lvl="1"/>
             <a:r>
               <a:rPr lang="en-US" sz="1800" dirty="0"/>
-              <a:t>Bug states</a:t>
-            </a:r>
-          </a:p>
-          <a:p>
-            <a:endParaRPr lang="en-US" dirty="0"/>
+              <a:t>What went into Driver class and what stayed in the interface</a:t>
+            </a:r>
           </a:p>
         </p:txBody>
       </p:sp>
     </p:spTree>
     <p:extLst>
       <p:ext uri="{BB962C8B-B14F-4D97-AF65-F5344CB8AC3E}">
-        <p14:creationId xmlns:p14="http://schemas.microsoft.com/office/powerpoint/2010/main" val="4099728512"/>
+        <p14:creationId xmlns:p14="http://schemas.microsoft.com/office/powerpoint/2010/main" val="2578328150"/>
       </p:ext>
     </p:extLst>
   </p:cSld>
@@ -6837,7 +7024,7 @@
           <a:p>
             <a:r>
               <a:rPr lang="en-US" dirty="0"/>
-              <a:t>Test Plan</a:t>
+              <a:t>Working Plan: Sprint 3</a:t>
             </a:r>
           </a:p>
         </p:txBody>
@@ -6858,58 +7045,51 @@
           <a:lstStyle/>
           <a:p>
             <a:r>
-              <a:rPr lang="en-US" dirty="0"/>
-              <a:t>Class functionality</a:t>
-            </a:r>
-          </a:p>
-          <a:p>
-            <a:r>
-              <a:rPr lang="en-US" dirty="0"/>
-              <a:t>Each run</a:t>
-            </a:r>
-          </a:p>
-          <a:p>
-            <a:r>
-              <a:rPr lang="en-US" dirty="0"/>
-              <a:t>Unique cases</a:t>
-            </a:r>
-          </a:p>
-        </p:txBody>
-      </p:sp>
-      <p:pic>
-        <p:nvPicPr>
-          <p:cNvPr id="4" name="Picture 3"/>
-          <p:cNvPicPr>
-            <a:picLocks noChangeAspect="1"/>
-          </p:cNvPicPr>
-          <p:nvPr/>
-        </p:nvPicPr>
-        <p:blipFill>
-          <a:blip r:embed="rId2">
-            <a:extLst>
-              <a:ext uri="{28A0092B-C50C-407E-A947-70E740481C1C}">
-                <a14:useLocalDpi xmlns:a14="http://schemas.microsoft.com/office/drawing/2010/main" val="0"/>
-              </a:ext>
-            </a:extLst>
-          </a:blip>
-          <a:stretch>
-            <a:fillRect/>
-          </a:stretch>
-        </p:blipFill>
-        <p:spPr>
-          <a:xfrm>
-            <a:off x="3907768" y="915200"/>
-            <a:ext cx="5047878" cy="4571200"/>
-          </a:xfrm>
-          <a:prstGeom prst="rect">
-            <a:avLst/>
-          </a:prstGeom>
-        </p:spPr>
-      </p:pic>
+              <a:rPr lang="en-US" sz="2000" dirty="0"/>
+              <a:t>Requirements: GUI, GRP, </a:t>
+            </a:r>
+          </a:p>
+          <a:p>
+            <a:endParaRPr lang="en-US" sz="2000" dirty="0"/>
+          </a:p>
+          <a:p>
+            <a:r>
+              <a:rPr lang="en-US" sz="2000" dirty="0"/>
+              <a:t>Approach: Divided members between GUI and functionality</a:t>
+            </a:r>
+          </a:p>
+          <a:p>
+            <a:endParaRPr lang="en-US" sz="2000" dirty="0"/>
+          </a:p>
+          <a:p>
+            <a:r>
+              <a:rPr lang="en-US" sz="2000" dirty="0"/>
+              <a:t>Challenges:</a:t>
+            </a:r>
+          </a:p>
+          <a:p>
+            <a:pPr lvl="1"/>
+            <a:r>
+              <a:rPr lang="en-US" sz="1800" dirty="0"/>
+              <a:t>Function menu in GUI</a:t>
+            </a:r>
+          </a:p>
+          <a:p>
+            <a:pPr lvl="1"/>
+            <a:r>
+              <a:rPr lang="en-US" sz="1800" dirty="0"/>
+              <a:t>Sensor connect-disconnect</a:t>
+            </a:r>
+          </a:p>
+          <a:p>
+            <a:endParaRPr lang="en-US" dirty="0"/>
+          </a:p>
+        </p:txBody>
+      </p:sp>
     </p:spTree>
     <p:extLst>
       <p:ext uri="{BB962C8B-B14F-4D97-AF65-F5344CB8AC3E}">
-        <p14:creationId xmlns:p14="http://schemas.microsoft.com/office/powerpoint/2010/main" val="3709939651"/>
+        <p14:creationId xmlns:p14="http://schemas.microsoft.com/office/powerpoint/2010/main" val="998151021"/>
       </p:ext>
     </p:extLst>
   </p:cSld>
